--- a/sis1/SIS1.pptx
+++ b/sis1/SIS1.pptx
@@ -8603,6 +8603,35 @@
             </a:r>
             <a:endParaRPr sz="4800"/>
           </a:p>
+          <a:p>
+            <a:pPr indent="0" lvl="0" marL="0" rtl="0" algn="ctr">
+              <a:spcBef>
+                <a:spcPts val="0"/>
+              </a:spcBef>
+              <a:spcAft>
+                <a:spcPts val="0"/>
+              </a:spcAft>
+              <a:buNone/>
+            </a:pPr>
+            <a:r>
+              <a:rPr lang="ru" sz="1800" u="sng">
+                <a:solidFill>
+                  <a:srgbClr val="000000"/>
+                </a:solidFill>
+                <a:latin typeface="Arial"/>
+                <a:ea typeface="Arial"/>
+                <a:cs typeface="Arial"/>
+                <a:sym typeface="Arial"/>
+                <a:hlinkClick r:id="rId3"/>
+              </a:rPr>
+              <a:t>https://github.com/itagaev/SystemProg</a:t>
+            </a:r>
+            <a:endParaRPr sz="1800">
+              <a:solidFill>
+                <a:srgbClr val="000000"/>
+              </a:solidFill>
+            </a:endParaRPr>
+          </a:p>
         </p:txBody>
       </p:sp>
       <p:sp>
